--- a/3. Spring 5.0 (Core, MVC, REST, Data JPA, Data REST)/Day 6/Slides/3. Building the Friends Web Services/building-the-friends-web-services-slides.pptx
+++ b/3. Spring 5.0 (Core, MVC, REST, Data JPA, Data REST)/Day 6/Slides/3. Building the Friends Web Services/building-the-friends-web-services-slides.pptx
@@ -18714,7 +18714,7 @@
                 <a:latin typeface="Verdana" panose="020B0604030504040204"/>
                 <a:cs typeface="Verdana" panose="020B0604030504040204"/>
               </a:rPr>
-              <a:t>Postgre</a:t>
+              <a:t>My</a:t>
             </a:r>
             <a:r>
               <a:rPr sz="3200" spc="65" dirty="0">
